--- a/assets/slides/12-Exceptions_and_SQL.pptx
+++ b/assets/slides/12-Exceptions_and_SQL.pptx
@@ -4957,13 +4957,26 @@
           </a:p>
           <a:p>
             <a:r>
-              <a:rPr lang="en-US" dirty="0" smtClean="0">
+              <a:rPr lang="en-US" smtClean="0">
                 <a:latin typeface="Arial" charset="0"/>
                 <a:ea typeface="ＭＳ Ｐゴシック" charset="0"/>
                 <a:cs typeface="ＭＳ Ｐゴシック" charset="0"/>
               </a:rPr>
-              <a:t>Lecture 11</a:t>
-            </a:r>
+              <a:t>Lecture </a:t>
+            </a:r>
+            <a:r>
+              <a:rPr lang="en-US" smtClean="0">
+                <a:latin typeface="Arial" charset="0"/>
+                <a:ea typeface="ＭＳ Ｐゴシック" charset="0"/>
+                <a:cs typeface="ＭＳ Ｐゴシック" charset="0"/>
+              </a:rPr>
+              <a:t>12</a:t>
+            </a:r>
+            <a:endParaRPr lang="en-US" dirty="0" smtClean="0">
+              <a:latin typeface="Arial" charset="0"/>
+              <a:ea typeface="ＭＳ Ｐゴシック" charset="0"/>
+              <a:cs typeface="ＭＳ Ｐゴシック" charset="0"/>
+            </a:endParaRPr>
           </a:p>
           <a:p>
             <a:r>
@@ -16494,15 +16507,7 @@
           <a:p>
             <a:r>
               <a:rPr lang="en-US" dirty="0" smtClean="0"/>
-              <a:t>Today: Exception (read </a:t>
-            </a:r>
-            <a:r>
-              <a:rPr lang="en-US" dirty="0" smtClean="0"/>
-              <a:t>4.3</a:t>
-            </a:r>
-            <a:r>
-              <a:rPr lang="en-US" dirty="0" smtClean="0"/>
-              <a:t>)</a:t>
+              <a:t>Today: Exception (read 4.3)</a:t>
             </a:r>
             <a:endParaRPr lang="en-US" dirty="0"/>
           </a:p>
